--- a/AlexDubois/Updated Flowcharts.pptx
+++ b/AlexDubois/Updated Flowcharts.pptx
@@ -105,6 +105,11 @@
       </a:defRPr>
     </a:lvl9pPr>
   </p:defaultTextStyle>
+  <p:extLst>
+    <p:ext uri="{EFAFB233-063F-42B5-8137-9DF3F51BA10A}">
+      <p15:sldGuideLst xmlns:p15="http://schemas.microsoft.com/office/powerpoint/2012/main"/>
+    </p:ext>
+  </p:extLst>
 </p:presentation>
 </file>
 
@@ -239,7 +244,7 @@
           <a:p>
             <a:fld id="{603601E7-32FD-41E4-B3D9-A9D98600A68F}" type="datetimeFigureOut">
               <a:rPr lang="en-US" smtClean="0"/>
-              <a:t>9/25/2016</a:t>
+              <a:t>10/9/2016</a:t>
             </a:fld>
             <a:endParaRPr lang="en-US"/>
           </a:p>
@@ -409,7 +414,7 @@
           <a:p>
             <a:fld id="{603601E7-32FD-41E4-B3D9-A9D98600A68F}" type="datetimeFigureOut">
               <a:rPr lang="en-US" smtClean="0"/>
-              <a:t>9/25/2016</a:t>
+              <a:t>10/9/2016</a:t>
             </a:fld>
             <a:endParaRPr lang="en-US"/>
           </a:p>
@@ -589,7 +594,7 @@
           <a:p>
             <a:fld id="{603601E7-32FD-41E4-B3D9-A9D98600A68F}" type="datetimeFigureOut">
               <a:rPr lang="en-US" smtClean="0"/>
-              <a:t>9/25/2016</a:t>
+              <a:t>10/9/2016</a:t>
             </a:fld>
             <a:endParaRPr lang="en-US"/>
           </a:p>
@@ -759,7 +764,7 @@
           <a:p>
             <a:fld id="{603601E7-32FD-41E4-B3D9-A9D98600A68F}" type="datetimeFigureOut">
               <a:rPr lang="en-US" smtClean="0"/>
-              <a:t>9/25/2016</a:t>
+              <a:t>10/9/2016</a:t>
             </a:fld>
             <a:endParaRPr lang="en-US"/>
           </a:p>
@@ -1005,7 +1010,7 @@
           <a:p>
             <a:fld id="{603601E7-32FD-41E4-B3D9-A9D98600A68F}" type="datetimeFigureOut">
               <a:rPr lang="en-US" smtClean="0"/>
-              <a:t>9/25/2016</a:t>
+              <a:t>10/9/2016</a:t>
             </a:fld>
             <a:endParaRPr lang="en-US"/>
           </a:p>
@@ -1237,7 +1242,7 @@
           <a:p>
             <a:fld id="{603601E7-32FD-41E4-B3D9-A9D98600A68F}" type="datetimeFigureOut">
               <a:rPr lang="en-US" smtClean="0"/>
-              <a:t>9/25/2016</a:t>
+              <a:t>10/9/2016</a:t>
             </a:fld>
             <a:endParaRPr lang="en-US"/>
           </a:p>
@@ -1604,7 +1609,7 @@
           <a:p>
             <a:fld id="{603601E7-32FD-41E4-B3D9-A9D98600A68F}" type="datetimeFigureOut">
               <a:rPr lang="en-US" smtClean="0"/>
-              <a:t>9/25/2016</a:t>
+              <a:t>10/9/2016</a:t>
             </a:fld>
             <a:endParaRPr lang="en-US"/>
           </a:p>
@@ -1722,7 +1727,7 @@
           <a:p>
             <a:fld id="{603601E7-32FD-41E4-B3D9-A9D98600A68F}" type="datetimeFigureOut">
               <a:rPr lang="en-US" smtClean="0"/>
-              <a:t>9/25/2016</a:t>
+              <a:t>10/9/2016</a:t>
             </a:fld>
             <a:endParaRPr lang="en-US"/>
           </a:p>
@@ -1817,7 +1822,7 @@
           <a:p>
             <a:fld id="{603601E7-32FD-41E4-B3D9-A9D98600A68F}" type="datetimeFigureOut">
               <a:rPr lang="en-US" smtClean="0"/>
-              <a:t>9/25/2016</a:t>
+              <a:t>10/9/2016</a:t>
             </a:fld>
             <a:endParaRPr lang="en-US"/>
           </a:p>
@@ -2094,7 +2099,7 @@
           <a:p>
             <a:fld id="{603601E7-32FD-41E4-B3D9-A9D98600A68F}" type="datetimeFigureOut">
               <a:rPr lang="en-US" smtClean="0"/>
-              <a:t>9/25/2016</a:t>
+              <a:t>10/9/2016</a:t>
             </a:fld>
             <a:endParaRPr lang="en-US"/>
           </a:p>
@@ -2347,7 +2352,7 @@
           <a:p>
             <a:fld id="{603601E7-32FD-41E4-B3D9-A9D98600A68F}" type="datetimeFigureOut">
               <a:rPr lang="en-US" smtClean="0"/>
-              <a:t>9/25/2016</a:t>
+              <a:t>10/9/2016</a:t>
             </a:fld>
             <a:endParaRPr lang="en-US"/>
           </a:p>
@@ -2560,7 +2565,7 @@
           <a:p>
             <a:fld id="{603601E7-32FD-41E4-B3D9-A9D98600A68F}" type="datetimeFigureOut">
               <a:rPr lang="en-US" smtClean="0"/>
-              <a:t>9/25/2016</a:t>
+              <a:t>10/9/2016</a:t>
             </a:fld>
             <a:endParaRPr lang="en-US"/>
           </a:p>
@@ -3091,10 +3096,13 @@
             <a:avLst/>
           </a:prstGeom>
           <a:solidFill>
-            <a:schemeClr val="accent6">
-              <a:lumMod val="50000"/>
-            </a:schemeClr>
+            <a:schemeClr val="bg1"/>
           </a:solidFill>
+          <a:ln w="76200">
+            <a:solidFill>
+              <a:srgbClr val="00B050"/>
+            </a:solidFill>
+          </a:ln>
         </p:spPr>
         <p:style>
           <a:lnRef idx="2">
@@ -3118,10 +3126,18 @@
           <a:p>
             <a:pPr algn="ctr"/>
             <a:r>
-              <a:rPr lang="en-US" dirty="0" smtClean="0"/>
+              <a:rPr lang="en-US" dirty="0" smtClean="0">
+                <a:solidFill>
+                  <a:schemeClr val="tx1"/>
+                </a:solidFill>
+              </a:rPr>
               <a:t>Standby</a:t>
             </a:r>
-            <a:endParaRPr lang="en-US" dirty="0"/>
+            <a:endParaRPr lang="en-US" dirty="0">
+              <a:solidFill>
+                <a:schemeClr val="tx1"/>
+              </a:solidFill>
+            </a:endParaRPr>
           </a:p>
         </p:txBody>
       </p:sp>
@@ -3140,8 +3156,13 @@
             <a:avLst/>
           </a:prstGeom>
           <a:solidFill>
-            <a:srgbClr val="FF0000"/>
+            <a:schemeClr val="bg1"/>
           </a:solidFill>
+          <a:ln w="76200">
+            <a:solidFill>
+              <a:srgbClr val="FFC000"/>
+            </a:solidFill>
+          </a:ln>
         </p:spPr>
         <p:style>
           <a:lnRef idx="2">
@@ -3165,10 +3186,18 @@
           <a:p>
             <a:pPr algn="ctr"/>
             <a:r>
-              <a:rPr lang="en-US" dirty="0" smtClean="0"/>
+              <a:rPr lang="en-US" dirty="0" smtClean="0">
+                <a:solidFill>
+                  <a:schemeClr val="tx1"/>
+                </a:solidFill>
+              </a:rPr>
               <a:t>Receive corrected data structure</a:t>
             </a:r>
-            <a:endParaRPr lang="en-US" dirty="0"/>
+            <a:endParaRPr lang="en-US" dirty="0">
+              <a:solidFill>
+                <a:schemeClr val="tx1"/>
+              </a:solidFill>
+            </a:endParaRPr>
           </a:p>
         </p:txBody>
       </p:sp>
@@ -3325,6 +3354,14 @@
           <a:prstGeom prst="rect">
             <a:avLst/>
           </a:prstGeom>
+          <a:solidFill>
+            <a:schemeClr val="bg1"/>
+          </a:solidFill>
+          <a:ln w="76200">
+            <a:solidFill>
+              <a:srgbClr val="FFC000"/>
+            </a:solidFill>
+          </a:ln>
         </p:spPr>
         <p:style>
           <a:lnRef idx="2">
@@ -3348,10 +3385,18 @@
           <a:p>
             <a:pPr algn="ctr"/>
             <a:r>
-              <a:rPr lang="en-US" dirty="0" smtClean="0"/>
+              <a:rPr lang="en-US" dirty="0" smtClean="0">
+                <a:solidFill>
+                  <a:schemeClr val="tx1"/>
+                </a:solidFill>
+              </a:rPr>
               <a:t>Calculate lists of angle, angular acceleration, and angular jerk</a:t>
             </a:r>
-            <a:endParaRPr lang="en-US" dirty="0"/>
+            <a:endParaRPr lang="en-US" dirty="0">
+              <a:solidFill>
+                <a:schemeClr val="tx1"/>
+              </a:solidFill>
+            </a:endParaRPr>
           </a:p>
         </p:txBody>
       </p:sp>
@@ -3369,6 +3414,14 @@
           <a:prstGeom prst="rect">
             <a:avLst/>
           </a:prstGeom>
+          <a:solidFill>
+            <a:schemeClr val="bg1"/>
+          </a:solidFill>
+          <a:ln w="76200">
+            <a:solidFill>
+              <a:srgbClr val="FFC000"/>
+            </a:solidFill>
+          </a:ln>
         </p:spPr>
         <p:style>
           <a:lnRef idx="2">
@@ -3392,10 +3445,18 @@
           <a:p>
             <a:pPr algn="ctr"/>
             <a:r>
-              <a:rPr lang="en-US" dirty="0" smtClean="0"/>
+              <a:rPr lang="en-US" dirty="0" smtClean="0">
+                <a:solidFill>
+                  <a:schemeClr val="tx1"/>
+                </a:solidFill>
+              </a:rPr>
               <a:t>Compare against LBD severity model</a:t>
             </a:r>
-            <a:endParaRPr lang="en-US" dirty="0"/>
+            <a:endParaRPr lang="en-US" dirty="0">
+              <a:solidFill>
+                <a:schemeClr val="tx1"/>
+              </a:solidFill>
+            </a:endParaRPr>
           </a:p>
         </p:txBody>
       </p:sp>
@@ -3414,10 +3475,13 @@
             <a:avLst/>
           </a:prstGeom>
           <a:solidFill>
-            <a:schemeClr val="accent6">
-              <a:lumMod val="50000"/>
-            </a:schemeClr>
+            <a:schemeClr val="bg1"/>
           </a:solidFill>
+          <a:ln w="76200">
+            <a:solidFill>
+              <a:srgbClr val="00B050"/>
+            </a:solidFill>
+          </a:ln>
         </p:spPr>
         <p:style>
           <a:lnRef idx="2">
@@ -3441,10 +3505,18 @@
           <a:p>
             <a:pPr algn="ctr"/>
             <a:r>
-              <a:rPr lang="en-US" dirty="0" smtClean="0"/>
+              <a:rPr lang="en-US" dirty="0" smtClean="0">
+                <a:solidFill>
+                  <a:schemeClr val="tx1"/>
+                </a:solidFill>
+              </a:rPr>
               <a:t>Calculate closest level of LBD</a:t>
             </a:r>
-            <a:endParaRPr lang="en-US" dirty="0"/>
+            <a:endParaRPr lang="en-US" dirty="0">
+              <a:solidFill>
+                <a:schemeClr val="tx1"/>
+              </a:solidFill>
+            </a:endParaRPr>
           </a:p>
         </p:txBody>
       </p:sp>
@@ -3583,8 +3655,13 @@
             <a:avLst/>
           </a:prstGeom>
           <a:solidFill>
-            <a:srgbClr val="FF0000"/>
+            <a:schemeClr val="bg1"/>
           </a:solidFill>
+          <a:ln w="76200">
+            <a:solidFill>
+              <a:srgbClr val="FF0000"/>
+            </a:solidFill>
+          </a:ln>
         </p:spPr>
         <p:style>
           <a:lnRef idx="2">
@@ -3608,14 +3685,26 @@
           <a:p>
             <a:pPr algn="ctr"/>
             <a:r>
-              <a:rPr lang="en-US" dirty="0"/>
+              <a:rPr lang="en-US" dirty="0">
+                <a:solidFill>
+                  <a:schemeClr val="tx1"/>
+                </a:solidFill>
+              </a:rPr>
               <a:t>C</a:t>
             </a:r>
             <a:r>
-              <a:rPr lang="en-US" dirty="0" smtClean="0"/>
+              <a:rPr lang="en-US" dirty="0" smtClean="0">
+                <a:solidFill>
+                  <a:schemeClr val="tx1"/>
+                </a:solidFill>
+              </a:rPr>
               <a:t>alculate final severity across all trails</a:t>
             </a:r>
-            <a:endParaRPr lang="en-US" dirty="0"/>
+            <a:endParaRPr lang="en-US" dirty="0">
+              <a:solidFill>
+                <a:schemeClr val="tx1"/>
+              </a:solidFill>
+            </a:endParaRPr>
           </a:p>
         </p:txBody>
       </p:sp>
@@ -3633,6 +3722,14 @@
           <a:prstGeom prst="rect">
             <a:avLst/>
           </a:prstGeom>
+          <a:solidFill>
+            <a:schemeClr val="bg1"/>
+          </a:solidFill>
+          <a:ln w="76200">
+            <a:solidFill>
+              <a:srgbClr val="00B050"/>
+            </a:solidFill>
+          </a:ln>
         </p:spPr>
         <p:style>
           <a:lnRef idx="2">
@@ -3656,10 +3753,18 @@
           <a:p>
             <a:pPr algn="ctr"/>
             <a:r>
-              <a:rPr lang="en-US" dirty="0" smtClean="0"/>
+              <a:rPr lang="en-US" dirty="0" smtClean="0">
+                <a:solidFill>
+                  <a:schemeClr val="tx1"/>
+                </a:solidFill>
+              </a:rPr>
               <a:t>Generate Patient ID</a:t>
             </a:r>
-            <a:endParaRPr lang="en-US" dirty="0"/>
+            <a:endParaRPr lang="en-US" dirty="0">
+              <a:solidFill>
+                <a:schemeClr val="tx1"/>
+              </a:solidFill>
+            </a:endParaRPr>
           </a:p>
         </p:txBody>
       </p:sp>
@@ -3678,10 +3783,13 @@
             <a:avLst/>
           </a:prstGeom>
           <a:solidFill>
-            <a:schemeClr val="accent6">
-              <a:lumMod val="50000"/>
-            </a:schemeClr>
+            <a:schemeClr val="bg1"/>
           </a:solidFill>
+          <a:ln w="76200">
+            <a:solidFill>
+              <a:srgbClr val="00B050"/>
+            </a:solidFill>
+          </a:ln>
         </p:spPr>
         <p:style>
           <a:lnRef idx="2">
@@ -3705,10 +3813,18 @@
           <a:p>
             <a:pPr algn="ctr"/>
             <a:r>
-              <a:rPr lang="en-US" dirty="0" smtClean="0"/>
+              <a:rPr lang="en-US" dirty="0" smtClean="0">
+                <a:solidFill>
+                  <a:schemeClr val="tx1"/>
+                </a:solidFill>
+              </a:rPr>
               <a:t>Add supporting data and LBD severity to database</a:t>
             </a:r>
-            <a:endParaRPr lang="en-US" dirty="0"/>
+            <a:endParaRPr lang="en-US" dirty="0">
+              <a:solidFill>
+                <a:schemeClr val="tx1"/>
+              </a:solidFill>
+            </a:endParaRPr>
           </a:p>
         </p:txBody>
       </p:sp>
@@ -3757,10 +3873,13 @@
             <a:avLst/>
           </a:prstGeom>
           <a:solidFill>
-            <a:schemeClr val="accent6">
-              <a:lumMod val="50000"/>
-            </a:schemeClr>
+            <a:schemeClr val="bg1"/>
           </a:solidFill>
+          <a:ln w="76200">
+            <a:solidFill>
+              <a:srgbClr val="00B050"/>
+            </a:solidFill>
+          </a:ln>
         </p:spPr>
         <p:style>
           <a:lnRef idx="2">
@@ -3784,10 +3903,18 @@
           <a:p>
             <a:pPr algn="ctr"/>
             <a:r>
-              <a:rPr lang="en-US" dirty="0" smtClean="0"/>
+              <a:rPr lang="en-US" dirty="0" smtClean="0">
+                <a:solidFill>
+                  <a:schemeClr val="tx1"/>
+                </a:solidFill>
+              </a:rPr>
               <a:t>Completed</a:t>
             </a:r>
-            <a:endParaRPr lang="en-US" dirty="0"/>
+            <a:endParaRPr lang="en-US" dirty="0">
+              <a:solidFill>
+                <a:schemeClr val="tx1"/>
+              </a:solidFill>
+            </a:endParaRPr>
           </a:p>
         </p:txBody>
       </p:sp>
@@ -3806,8 +3933,13 @@
             <a:avLst/>
           </a:prstGeom>
           <a:solidFill>
-            <a:srgbClr val="FFC000"/>
+            <a:schemeClr val="bg1"/>
           </a:solidFill>
+          <a:ln w="76200">
+            <a:solidFill>
+              <a:srgbClr val="FFC000"/>
+            </a:solidFill>
+          </a:ln>
         </p:spPr>
         <p:style>
           <a:lnRef idx="2">
@@ -3831,10 +3963,18 @@
           <a:p>
             <a:pPr algn="ctr"/>
             <a:r>
-              <a:rPr lang="en-US" dirty="0" smtClean="0"/>
+              <a:rPr lang="en-US" dirty="0" smtClean="0">
+                <a:solidFill>
+                  <a:schemeClr val="tx1"/>
+                </a:solidFill>
+              </a:rPr>
               <a:t>In Progress</a:t>
             </a:r>
-            <a:endParaRPr lang="en-US" dirty="0"/>
+            <a:endParaRPr lang="en-US" dirty="0">
+              <a:solidFill>
+                <a:schemeClr val="tx1"/>
+              </a:solidFill>
+            </a:endParaRPr>
           </a:p>
         </p:txBody>
       </p:sp>
@@ -3853,8 +3993,13 @@
             <a:avLst/>
           </a:prstGeom>
           <a:solidFill>
-            <a:srgbClr val="FF0000"/>
+            <a:schemeClr val="bg1"/>
           </a:solidFill>
+          <a:ln w="76200">
+            <a:solidFill>
+              <a:srgbClr val="FF0000"/>
+            </a:solidFill>
+          </a:ln>
         </p:spPr>
         <p:style>
           <a:lnRef idx="2">
@@ -3878,10 +4023,18 @@
           <a:p>
             <a:pPr algn="ctr"/>
             <a:r>
-              <a:rPr lang="en-US" dirty="0" smtClean="0"/>
+              <a:rPr lang="en-US" dirty="0" smtClean="0">
+                <a:solidFill>
+                  <a:schemeClr val="tx1"/>
+                </a:solidFill>
+              </a:rPr>
               <a:t>Not started</a:t>
             </a:r>
-            <a:endParaRPr lang="en-US" dirty="0"/>
+            <a:endParaRPr lang="en-US" dirty="0">
+              <a:solidFill>
+                <a:schemeClr val="tx1"/>
+              </a:solidFill>
+            </a:endParaRPr>
           </a:p>
         </p:txBody>
       </p:sp>
@@ -4053,15 +4206,11 @@
             <a:avLst/>
           </a:prstGeom>
           <a:solidFill>
-            <a:schemeClr val="accent6">
-              <a:lumMod val="50000"/>
-            </a:schemeClr>
+            <a:schemeClr val="bg1"/>
           </a:solidFill>
-          <a:ln>
+          <a:ln w="76200">
             <a:solidFill>
-              <a:schemeClr val="accent6">
-                <a:lumMod val="50000"/>
-              </a:schemeClr>
+              <a:srgbClr val="00B050"/>
             </a:solidFill>
           </a:ln>
         </p:spPr>
@@ -4087,10 +4236,18 @@
           <a:p>
             <a:pPr algn="ctr"/>
             <a:r>
-              <a:rPr lang="en-US" dirty="0" smtClean="0"/>
+              <a:rPr lang="en-US" dirty="0" smtClean="0">
+                <a:solidFill>
+                  <a:schemeClr val="tx1"/>
+                </a:solidFill>
+              </a:rPr>
               <a:t>Output database information to DDI</a:t>
             </a:r>
-            <a:endParaRPr lang="en-US" dirty="0"/>
+            <a:endParaRPr lang="en-US" dirty="0">
+              <a:solidFill>
+                <a:schemeClr val="tx1"/>
+              </a:solidFill>
+            </a:endParaRPr>
           </a:p>
         </p:txBody>
       </p:sp>

--- a/AlexDubois/Updated Flowcharts.pptx
+++ b/AlexDubois/Updated Flowcharts.pptx
@@ -7,6 +7,7 @@
   <p:sldIdLst>
     <p:sldId id="256" r:id="rId2"/>
     <p:sldId id="257" r:id="rId3"/>
+    <p:sldId id="258" r:id="rId4"/>
   </p:sldIdLst>
   <p:sldSz cx="12192000" cy="6858000"/>
   <p:notesSz cx="6858000" cy="9144000"/>
@@ -244,7 +245,7 @@
           <a:p>
             <a:fld id="{603601E7-32FD-41E4-B3D9-A9D98600A68F}" type="datetimeFigureOut">
               <a:rPr lang="en-US" smtClean="0"/>
-              <a:t>10/9/2016</a:t>
+              <a:t>10/16/2016</a:t>
             </a:fld>
             <a:endParaRPr lang="en-US"/>
           </a:p>
@@ -414,7 +415,7 @@
           <a:p>
             <a:fld id="{603601E7-32FD-41E4-B3D9-A9D98600A68F}" type="datetimeFigureOut">
               <a:rPr lang="en-US" smtClean="0"/>
-              <a:t>10/9/2016</a:t>
+              <a:t>10/16/2016</a:t>
             </a:fld>
             <a:endParaRPr lang="en-US"/>
           </a:p>
@@ -594,7 +595,7 @@
           <a:p>
             <a:fld id="{603601E7-32FD-41E4-B3D9-A9D98600A68F}" type="datetimeFigureOut">
               <a:rPr lang="en-US" smtClean="0"/>
-              <a:t>10/9/2016</a:t>
+              <a:t>10/16/2016</a:t>
             </a:fld>
             <a:endParaRPr lang="en-US"/>
           </a:p>
@@ -764,7 +765,7 @@
           <a:p>
             <a:fld id="{603601E7-32FD-41E4-B3D9-A9D98600A68F}" type="datetimeFigureOut">
               <a:rPr lang="en-US" smtClean="0"/>
-              <a:t>10/9/2016</a:t>
+              <a:t>10/16/2016</a:t>
             </a:fld>
             <a:endParaRPr lang="en-US"/>
           </a:p>
@@ -1010,7 +1011,7 @@
           <a:p>
             <a:fld id="{603601E7-32FD-41E4-B3D9-A9D98600A68F}" type="datetimeFigureOut">
               <a:rPr lang="en-US" smtClean="0"/>
-              <a:t>10/9/2016</a:t>
+              <a:t>10/16/2016</a:t>
             </a:fld>
             <a:endParaRPr lang="en-US"/>
           </a:p>
@@ -1242,7 +1243,7 @@
           <a:p>
             <a:fld id="{603601E7-32FD-41E4-B3D9-A9D98600A68F}" type="datetimeFigureOut">
               <a:rPr lang="en-US" smtClean="0"/>
-              <a:t>10/9/2016</a:t>
+              <a:t>10/16/2016</a:t>
             </a:fld>
             <a:endParaRPr lang="en-US"/>
           </a:p>
@@ -1609,7 +1610,7 @@
           <a:p>
             <a:fld id="{603601E7-32FD-41E4-B3D9-A9D98600A68F}" type="datetimeFigureOut">
               <a:rPr lang="en-US" smtClean="0"/>
-              <a:t>10/9/2016</a:t>
+              <a:t>10/16/2016</a:t>
             </a:fld>
             <a:endParaRPr lang="en-US"/>
           </a:p>
@@ -1727,7 +1728,7 @@
           <a:p>
             <a:fld id="{603601E7-32FD-41E4-B3D9-A9D98600A68F}" type="datetimeFigureOut">
               <a:rPr lang="en-US" smtClean="0"/>
-              <a:t>10/9/2016</a:t>
+              <a:t>10/16/2016</a:t>
             </a:fld>
             <a:endParaRPr lang="en-US"/>
           </a:p>
@@ -1822,7 +1823,7 @@
           <a:p>
             <a:fld id="{603601E7-32FD-41E4-B3D9-A9D98600A68F}" type="datetimeFigureOut">
               <a:rPr lang="en-US" smtClean="0"/>
-              <a:t>10/9/2016</a:t>
+              <a:t>10/16/2016</a:t>
             </a:fld>
             <a:endParaRPr lang="en-US"/>
           </a:p>
@@ -2099,7 +2100,7 @@
           <a:p>
             <a:fld id="{603601E7-32FD-41E4-B3D9-A9D98600A68F}" type="datetimeFigureOut">
               <a:rPr lang="en-US" smtClean="0"/>
-              <a:t>10/9/2016</a:t>
+              <a:t>10/16/2016</a:t>
             </a:fld>
             <a:endParaRPr lang="en-US"/>
           </a:p>
@@ -2352,7 +2353,7 @@
           <a:p>
             <a:fld id="{603601E7-32FD-41E4-B3D9-A9D98600A68F}" type="datetimeFigureOut">
               <a:rPr lang="en-US" smtClean="0"/>
-              <a:t>10/9/2016</a:t>
+              <a:t>10/16/2016</a:t>
             </a:fld>
             <a:endParaRPr lang="en-US"/>
           </a:p>
@@ -2565,7 +2566,7 @@
           <a:p>
             <a:fld id="{603601E7-32FD-41E4-B3D9-A9D98600A68F}" type="datetimeFigureOut">
               <a:rPr lang="en-US" smtClean="0"/>
-              <a:t>10/9/2016</a:t>
+              <a:t>10/16/2016</a:t>
             </a:fld>
             <a:endParaRPr lang="en-US"/>
           </a:p>
@@ -4376,6 +4377,1081 @@
 </p:sld>
 </file>
 
+<file path=ppt/slides/slide3.xml><?xml version="1.0" encoding="utf-8"?>
+<p:sld xmlns:a="http://schemas.openxmlformats.org/drawingml/2006/main" xmlns:r="http://schemas.openxmlformats.org/officeDocument/2006/relationships" xmlns:p="http://schemas.openxmlformats.org/presentationml/2006/main">
+  <p:cSld>
+    <p:spTree>
+      <p:nvGrpSpPr>
+        <p:cNvPr id="1" name=""/>
+        <p:cNvGrpSpPr/>
+        <p:nvPr/>
+      </p:nvGrpSpPr>
+      <p:grpSpPr>
+        <a:xfrm>
+          <a:off x="0" y="0"/>
+          <a:ext cx="0" cy="0"/>
+          <a:chOff x="0" y="0"/>
+          <a:chExt cx="0" cy="0"/>
+        </a:xfrm>
+      </p:grpSpPr>
+      <p:sp>
+        <p:nvSpPr>
+          <p:cNvPr id="4" name="Rectangle 3"/>
+          <p:cNvSpPr/>
+          <p:nvPr/>
+        </p:nvSpPr>
+        <p:spPr>
+          <a:xfrm>
+            <a:off x="2151209" y="1639017"/>
+            <a:ext cx="1828800" cy="4244195"/>
+          </a:xfrm>
+          <a:prstGeom prst="rect">
+            <a:avLst/>
+          </a:prstGeom>
+          <a:solidFill>
+            <a:schemeClr val="bg1"/>
+          </a:solidFill>
+        </p:spPr>
+        <p:style>
+          <a:lnRef idx="2">
+            <a:schemeClr val="accent1">
+              <a:shade val="50000"/>
+            </a:schemeClr>
+          </a:lnRef>
+          <a:fillRef idx="1">
+            <a:schemeClr val="accent1"/>
+          </a:fillRef>
+          <a:effectRef idx="0">
+            <a:schemeClr val="accent1"/>
+          </a:effectRef>
+          <a:fontRef idx="minor">
+            <a:schemeClr val="lt1"/>
+          </a:fontRef>
+        </p:style>
+        <p:txBody>
+          <a:bodyPr rtlCol="0" anchor="ctr"/>
+          <a:lstStyle/>
+          <a:p>
+            <a:pPr algn="ctr"/>
+            <a:endParaRPr lang="en-US" dirty="0"/>
+          </a:p>
+        </p:txBody>
+      </p:sp>
+      <p:sp>
+        <p:nvSpPr>
+          <p:cNvPr id="5" name="Rectangle 4"/>
+          <p:cNvSpPr/>
+          <p:nvPr/>
+        </p:nvSpPr>
+        <p:spPr>
+          <a:xfrm>
+            <a:off x="2387357" y="2721624"/>
+            <a:ext cx="1337095" cy="612476"/>
+          </a:xfrm>
+          <a:prstGeom prst="rect">
+            <a:avLst/>
+          </a:prstGeom>
+          <a:solidFill>
+            <a:schemeClr val="bg1"/>
+          </a:solidFill>
+          <a:ln w="76200">
+            <a:solidFill>
+              <a:srgbClr val="00B050"/>
+            </a:solidFill>
+          </a:ln>
+        </p:spPr>
+        <p:style>
+          <a:lnRef idx="2">
+            <a:schemeClr val="accent1">
+              <a:shade val="50000"/>
+            </a:schemeClr>
+          </a:lnRef>
+          <a:fillRef idx="1">
+            <a:schemeClr val="accent1"/>
+          </a:fillRef>
+          <a:effectRef idx="0">
+            <a:schemeClr val="accent1"/>
+          </a:effectRef>
+          <a:fontRef idx="minor">
+            <a:schemeClr val="lt1"/>
+          </a:fontRef>
+        </p:style>
+        <p:txBody>
+          <a:bodyPr rtlCol="0" anchor="ctr"/>
+          <a:lstStyle/>
+          <a:p>
+            <a:pPr algn="ctr"/>
+            <a:r>
+              <a:rPr lang="en-US" dirty="0" smtClean="0">
+                <a:solidFill>
+                  <a:schemeClr val="tx1"/>
+                </a:solidFill>
+              </a:rPr>
+              <a:t>Render Initial View</a:t>
+            </a:r>
+            <a:endParaRPr lang="en-US" dirty="0">
+              <a:solidFill>
+                <a:schemeClr val="tx1"/>
+              </a:solidFill>
+            </a:endParaRPr>
+          </a:p>
+        </p:txBody>
+      </p:sp>
+      <p:sp>
+        <p:nvSpPr>
+          <p:cNvPr id="6" name="Rectangle 5"/>
+          <p:cNvSpPr/>
+          <p:nvPr/>
+        </p:nvSpPr>
+        <p:spPr>
+          <a:xfrm>
+            <a:off x="2387357" y="3722293"/>
+            <a:ext cx="1337095" cy="1354354"/>
+          </a:xfrm>
+          <a:prstGeom prst="rect">
+            <a:avLst/>
+          </a:prstGeom>
+          <a:solidFill>
+            <a:schemeClr val="bg1"/>
+          </a:solidFill>
+          <a:ln w="76200">
+            <a:solidFill>
+              <a:srgbClr val="00B050"/>
+            </a:solidFill>
+          </a:ln>
+        </p:spPr>
+        <p:style>
+          <a:lnRef idx="2">
+            <a:schemeClr val="accent1">
+              <a:shade val="50000"/>
+            </a:schemeClr>
+          </a:lnRef>
+          <a:fillRef idx="1">
+            <a:schemeClr val="accent1"/>
+          </a:fillRef>
+          <a:effectRef idx="0">
+            <a:schemeClr val="accent1"/>
+          </a:effectRef>
+          <a:fontRef idx="minor">
+            <a:schemeClr val="lt1"/>
+          </a:fontRef>
+        </p:style>
+        <p:txBody>
+          <a:bodyPr rtlCol="0" anchor="ctr"/>
+          <a:lstStyle/>
+          <a:p>
+            <a:pPr algn="ctr"/>
+            <a:r>
+              <a:rPr lang="en-US" dirty="0" smtClean="0">
+                <a:solidFill>
+                  <a:schemeClr val="tx1"/>
+                </a:solidFill>
+              </a:rPr>
+              <a:t>Standby</a:t>
+            </a:r>
+            <a:endParaRPr lang="en-US" dirty="0">
+              <a:solidFill>
+                <a:schemeClr val="tx1"/>
+              </a:solidFill>
+            </a:endParaRPr>
+          </a:p>
+        </p:txBody>
+      </p:sp>
+      <p:sp>
+        <p:nvSpPr>
+          <p:cNvPr id="7" name="Rectangle 6"/>
+          <p:cNvSpPr/>
+          <p:nvPr/>
+        </p:nvSpPr>
+        <p:spPr>
+          <a:xfrm>
+            <a:off x="4520242" y="1639020"/>
+            <a:ext cx="2518913" cy="4244195"/>
+          </a:xfrm>
+          <a:prstGeom prst="rect">
+            <a:avLst/>
+          </a:prstGeom>
+          <a:solidFill>
+            <a:schemeClr val="bg1"/>
+          </a:solidFill>
+        </p:spPr>
+        <p:style>
+          <a:lnRef idx="2">
+            <a:schemeClr val="accent1">
+              <a:shade val="50000"/>
+            </a:schemeClr>
+          </a:lnRef>
+          <a:fillRef idx="1">
+            <a:schemeClr val="accent1"/>
+          </a:fillRef>
+          <a:effectRef idx="0">
+            <a:schemeClr val="accent1"/>
+          </a:effectRef>
+          <a:fontRef idx="minor">
+            <a:schemeClr val="lt1"/>
+          </a:fontRef>
+        </p:style>
+        <p:txBody>
+          <a:bodyPr rtlCol="0" anchor="ctr"/>
+          <a:lstStyle/>
+          <a:p>
+            <a:pPr algn="ctr"/>
+            <a:endParaRPr lang="en-US"/>
+          </a:p>
+        </p:txBody>
+      </p:sp>
+      <p:sp>
+        <p:nvSpPr>
+          <p:cNvPr id="8" name="TextBox 7"/>
+          <p:cNvSpPr txBox="1"/>
+          <p:nvPr/>
+        </p:nvSpPr>
+        <p:spPr>
+          <a:xfrm>
+            <a:off x="2160916" y="1226555"/>
+            <a:ext cx="632289" cy="369332"/>
+          </a:xfrm>
+          <a:prstGeom prst="rect">
+            <a:avLst/>
+          </a:prstGeom>
+          <a:noFill/>
+        </p:spPr>
+        <p:txBody>
+          <a:bodyPr wrap="none" rtlCol="0">
+            <a:spAutoFit/>
+          </a:bodyPr>
+          <a:lstStyle/>
+          <a:p>
+            <a:r>
+              <a:rPr lang="en-US" dirty="0" smtClean="0"/>
+              <a:t>Start</a:t>
+            </a:r>
+            <a:endParaRPr lang="en-US" dirty="0"/>
+          </a:p>
+        </p:txBody>
+      </p:sp>
+      <p:sp>
+        <p:nvSpPr>
+          <p:cNvPr id="9" name="TextBox 8"/>
+          <p:cNvSpPr txBox="1"/>
+          <p:nvPr/>
+        </p:nvSpPr>
+        <p:spPr>
+          <a:xfrm>
+            <a:off x="4520242" y="1202280"/>
+            <a:ext cx="1021946" cy="369332"/>
+          </a:xfrm>
+          <a:prstGeom prst="rect">
+            <a:avLst/>
+          </a:prstGeom>
+          <a:noFill/>
+        </p:spPr>
+        <p:txBody>
+          <a:bodyPr wrap="none" rtlCol="0">
+            <a:spAutoFit/>
+          </a:bodyPr>
+          <a:lstStyle/>
+          <a:p>
+            <a:r>
+              <a:rPr lang="en-US" dirty="0" smtClean="0"/>
+              <a:t>Interface</a:t>
+            </a:r>
+            <a:endParaRPr lang="en-US" dirty="0"/>
+          </a:p>
+        </p:txBody>
+      </p:sp>
+      <p:cxnSp>
+        <p:nvCxnSpPr>
+          <p:cNvPr id="10" name="Straight Arrow Connector 9"/>
+          <p:cNvCxnSpPr/>
+          <p:nvPr/>
+        </p:nvCxnSpPr>
+        <p:spPr>
+          <a:xfrm flipH="1">
+            <a:off x="3065609" y="3334100"/>
+            <a:ext cx="2156" cy="388193"/>
+          </a:xfrm>
+          <a:prstGeom prst="straightConnector1">
+            <a:avLst/>
+          </a:prstGeom>
+          <a:ln>
+            <a:solidFill>
+              <a:schemeClr val="tx1"/>
+            </a:solidFill>
+            <a:tailEnd type="triangle"/>
+          </a:ln>
+        </p:spPr>
+        <p:style>
+          <a:lnRef idx="1">
+            <a:schemeClr val="accent1"/>
+          </a:lnRef>
+          <a:fillRef idx="0">
+            <a:schemeClr val="accent1"/>
+          </a:fillRef>
+          <a:effectRef idx="0">
+            <a:schemeClr val="accent1"/>
+          </a:effectRef>
+          <a:fontRef idx="minor">
+            <a:schemeClr val="tx1"/>
+          </a:fontRef>
+        </p:style>
+      </p:cxnSp>
+      <p:sp>
+        <p:nvSpPr>
+          <p:cNvPr id="11" name="Rectangle 10"/>
+          <p:cNvSpPr/>
+          <p:nvPr/>
+        </p:nvSpPr>
+        <p:spPr>
+          <a:xfrm>
+            <a:off x="4713796" y="2574975"/>
+            <a:ext cx="2122098" cy="1147318"/>
+          </a:xfrm>
+          <a:prstGeom prst="rect">
+            <a:avLst/>
+          </a:prstGeom>
+          <a:solidFill>
+            <a:schemeClr val="bg1"/>
+          </a:solidFill>
+          <a:ln w="76200">
+            <a:solidFill>
+              <a:srgbClr val="00B050"/>
+            </a:solidFill>
+          </a:ln>
+        </p:spPr>
+        <p:style>
+          <a:lnRef idx="2">
+            <a:schemeClr val="accent4">
+              <a:shade val="50000"/>
+            </a:schemeClr>
+          </a:lnRef>
+          <a:fillRef idx="1">
+            <a:schemeClr val="accent4"/>
+          </a:fillRef>
+          <a:effectRef idx="0">
+            <a:schemeClr val="accent4"/>
+          </a:effectRef>
+          <a:fontRef idx="minor">
+            <a:schemeClr val="lt1"/>
+          </a:fontRef>
+        </p:style>
+        <p:txBody>
+          <a:bodyPr rtlCol="0" anchor="ctr"/>
+          <a:lstStyle/>
+          <a:p>
+            <a:pPr algn="ctr"/>
+            <a:r>
+              <a:rPr lang="en-US" dirty="0" smtClean="0">
+                <a:solidFill>
+                  <a:schemeClr val="tx1"/>
+                </a:solidFill>
+              </a:rPr>
+              <a:t>Receive User Input</a:t>
+            </a:r>
+            <a:endParaRPr lang="en-US" dirty="0">
+              <a:solidFill>
+                <a:schemeClr val="tx1"/>
+              </a:solidFill>
+            </a:endParaRPr>
+          </a:p>
+        </p:txBody>
+      </p:sp>
+      <p:sp>
+        <p:nvSpPr>
+          <p:cNvPr id="12" name="Rectangle 11"/>
+          <p:cNvSpPr/>
+          <p:nvPr/>
+        </p:nvSpPr>
+        <p:spPr>
+          <a:xfrm>
+            <a:off x="4738582" y="3996084"/>
+            <a:ext cx="2122098" cy="1147318"/>
+          </a:xfrm>
+          <a:prstGeom prst="rect">
+            <a:avLst/>
+          </a:prstGeom>
+          <a:solidFill>
+            <a:schemeClr val="bg1"/>
+          </a:solidFill>
+          <a:ln w="76200">
+            <a:solidFill>
+              <a:srgbClr val="FFC000"/>
+            </a:solidFill>
+          </a:ln>
+        </p:spPr>
+        <p:style>
+          <a:lnRef idx="2">
+            <a:schemeClr val="accent4">
+              <a:shade val="50000"/>
+            </a:schemeClr>
+          </a:lnRef>
+          <a:fillRef idx="1">
+            <a:schemeClr val="accent4"/>
+          </a:fillRef>
+          <a:effectRef idx="0">
+            <a:schemeClr val="accent4"/>
+          </a:effectRef>
+          <a:fontRef idx="minor">
+            <a:schemeClr val="lt1"/>
+          </a:fontRef>
+        </p:style>
+        <p:txBody>
+          <a:bodyPr rtlCol="0" anchor="ctr"/>
+          <a:lstStyle/>
+          <a:p>
+            <a:pPr algn="ctr"/>
+            <a:r>
+              <a:rPr lang="en-US" dirty="0" smtClean="0">
+                <a:solidFill>
+                  <a:schemeClr val="tx1"/>
+                </a:solidFill>
+              </a:rPr>
+              <a:t>Process specified function</a:t>
+            </a:r>
+            <a:endParaRPr lang="en-US" dirty="0">
+              <a:solidFill>
+                <a:schemeClr val="tx1"/>
+              </a:solidFill>
+            </a:endParaRPr>
+          </a:p>
+        </p:txBody>
+      </p:sp>
+      <p:cxnSp>
+        <p:nvCxnSpPr>
+          <p:cNvPr id="14" name="Straight Arrow Connector 13"/>
+          <p:cNvCxnSpPr>
+            <a:stCxn id="11" idx="2"/>
+          </p:cNvCxnSpPr>
+          <p:nvPr/>
+        </p:nvCxnSpPr>
+        <p:spPr>
+          <a:xfrm>
+            <a:off x="5774845" y="3722293"/>
+            <a:ext cx="0" cy="224282"/>
+          </a:xfrm>
+          <a:prstGeom prst="straightConnector1">
+            <a:avLst/>
+          </a:prstGeom>
+          <a:ln>
+            <a:solidFill>
+              <a:schemeClr val="tx1"/>
+            </a:solidFill>
+            <a:tailEnd type="triangle"/>
+          </a:ln>
+        </p:spPr>
+        <p:style>
+          <a:lnRef idx="1">
+            <a:schemeClr val="accent1"/>
+          </a:lnRef>
+          <a:fillRef idx="0">
+            <a:schemeClr val="accent1"/>
+          </a:fillRef>
+          <a:effectRef idx="0">
+            <a:schemeClr val="accent1"/>
+          </a:effectRef>
+          <a:fontRef idx="minor">
+            <a:schemeClr val="tx1"/>
+          </a:fontRef>
+        </p:style>
+      </p:cxnSp>
+      <p:sp>
+        <p:nvSpPr>
+          <p:cNvPr id="16" name="Rectangle 15"/>
+          <p:cNvSpPr/>
+          <p:nvPr/>
+        </p:nvSpPr>
+        <p:spPr>
+          <a:xfrm>
+            <a:off x="7569681" y="1639020"/>
+            <a:ext cx="2389517" cy="4244195"/>
+          </a:xfrm>
+          <a:prstGeom prst="rect">
+            <a:avLst/>
+          </a:prstGeom>
+          <a:solidFill>
+            <a:schemeClr val="bg1"/>
+          </a:solidFill>
+        </p:spPr>
+        <p:style>
+          <a:lnRef idx="2">
+            <a:schemeClr val="accent1">
+              <a:shade val="50000"/>
+            </a:schemeClr>
+          </a:lnRef>
+          <a:fillRef idx="1">
+            <a:schemeClr val="accent1"/>
+          </a:fillRef>
+          <a:effectRef idx="0">
+            <a:schemeClr val="accent1"/>
+          </a:effectRef>
+          <a:fontRef idx="minor">
+            <a:schemeClr val="lt1"/>
+          </a:fontRef>
+        </p:style>
+        <p:txBody>
+          <a:bodyPr rtlCol="0" anchor="ctr"/>
+          <a:lstStyle/>
+          <a:p>
+            <a:pPr algn="ctr"/>
+            <a:endParaRPr lang="en-US"/>
+          </a:p>
+        </p:txBody>
+      </p:sp>
+      <p:sp>
+        <p:nvSpPr>
+          <p:cNvPr id="17" name="Rectangle 16"/>
+          <p:cNvSpPr/>
+          <p:nvPr/>
+        </p:nvSpPr>
+        <p:spPr>
+          <a:xfrm>
+            <a:off x="7703390" y="1867612"/>
+            <a:ext cx="2122098" cy="1147318"/>
+          </a:xfrm>
+          <a:prstGeom prst="rect">
+            <a:avLst/>
+          </a:prstGeom>
+          <a:solidFill>
+            <a:schemeClr val="bg1"/>
+          </a:solidFill>
+          <a:ln w="76200">
+            <a:solidFill>
+              <a:srgbClr val="00B050"/>
+            </a:solidFill>
+          </a:ln>
+        </p:spPr>
+        <p:style>
+          <a:lnRef idx="2">
+            <a:schemeClr val="accent4">
+              <a:shade val="50000"/>
+            </a:schemeClr>
+          </a:lnRef>
+          <a:fillRef idx="1">
+            <a:schemeClr val="accent4"/>
+          </a:fillRef>
+          <a:effectRef idx="0">
+            <a:schemeClr val="accent4"/>
+          </a:effectRef>
+          <a:fontRef idx="minor">
+            <a:schemeClr val="lt1"/>
+          </a:fontRef>
+        </p:style>
+        <p:txBody>
+          <a:bodyPr rtlCol="0" anchor="ctr"/>
+          <a:lstStyle/>
+          <a:p>
+            <a:pPr algn="ctr"/>
+            <a:r>
+              <a:rPr lang="en-US" dirty="0" smtClean="0">
+                <a:solidFill>
+                  <a:schemeClr val="tx1"/>
+                </a:solidFill>
+              </a:rPr>
+              <a:t>Receive Data Analysis</a:t>
+            </a:r>
+            <a:endParaRPr lang="en-US" dirty="0">
+              <a:solidFill>
+                <a:schemeClr val="tx1"/>
+              </a:solidFill>
+            </a:endParaRPr>
+          </a:p>
+        </p:txBody>
+      </p:sp>
+      <p:sp>
+        <p:nvSpPr>
+          <p:cNvPr id="18" name="Rectangle 17"/>
+          <p:cNvSpPr/>
+          <p:nvPr/>
+        </p:nvSpPr>
+        <p:spPr>
+          <a:xfrm>
+            <a:off x="7703390" y="3187458"/>
+            <a:ext cx="2122098" cy="1147318"/>
+          </a:xfrm>
+          <a:prstGeom prst="rect">
+            <a:avLst/>
+          </a:prstGeom>
+          <a:solidFill>
+            <a:schemeClr val="bg1"/>
+          </a:solidFill>
+          <a:ln w="76200">
+            <a:solidFill>
+              <a:srgbClr val="FFC000"/>
+            </a:solidFill>
+          </a:ln>
+        </p:spPr>
+        <p:style>
+          <a:lnRef idx="2">
+            <a:schemeClr val="accent4">
+              <a:shade val="50000"/>
+            </a:schemeClr>
+          </a:lnRef>
+          <a:fillRef idx="1">
+            <a:schemeClr val="accent4"/>
+          </a:fillRef>
+          <a:effectRef idx="0">
+            <a:schemeClr val="accent4"/>
+          </a:effectRef>
+          <a:fontRef idx="minor">
+            <a:schemeClr val="lt1"/>
+          </a:fontRef>
+        </p:style>
+        <p:txBody>
+          <a:bodyPr rtlCol="0" anchor="ctr"/>
+          <a:lstStyle/>
+          <a:p>
+            <a:pPr algn="ctr"/>
+            <a:r>
+              <a:rPr lang="en-US" dirty="0" smtClean="0">
+                <a:solidFill>
+                  <a:schemeClr val="tx1"/>
+                </a:solidFill>
+              </a:rPr>
+              <a:t>Display supporting data and LBD severity</a:t>
+            </a:r>
+            <a:endParaRPr lang="en-US" dirty="0">
+              <a:solidFill>
+                <a:schemeClr val="tx1"/>
+              </a:solidFill>
+            </a:endParaRPr>
+          </a:p>
+        </p:txBody>
+      </p:sp>
+      <p:sp>
+        <p:nvSpPr>
+          <p:cNvPr id="19" name="Rectangle 18"/>
+          <p:cNvSpPr/>
+          <p:nvPr/>
+        </p:nvSpPr>
+        <p:spPr>
+          <a:xfrm>
+            <a:off x="7703390" y="4563369"/>
+            <a:ext cx="2122098" cy="1147318"/>
+          </a:xfrm>
+          <a:prstGeom prst="rect">
+            <a:avLst/>
+          </a:prstGeom>
+          <a:solidFill>
+            <a:schemeClr val="bg1"/>
+          </a:solidFill>
+          <a:ln w="76200">
+            <a:solidFill>
+              <a:srgbClr val="00B050"/>
+            </a:solidFill>
+          </a:ln>
+        </p:spPr>
+        <p:style>
+          <a:lnRef idx="2">
+            <a:schemeClr val="accent4">
+              <a:shade val="50000"/>
+            </a:schemeClr>
+          </a:lnRef>
+          <a:fillRef idx="1">
+            <a:schemeClr val="accent4"/>
+          </a:fillRef>
+          <a:effectRef idx="0">
+            <a:schemeClr val="accent4"/>
+          </a:effectRef>
+          <a:fontRef idx="minor">
+            <a:schemeClr val="lt1"/>
+          </a:fontRef>
+        </p:style>
+        <p:txBody>
+          <a:bodyPr rtlCol="0" anchor="ctr"/>
+          <a:lstStyle/>
+          <a:p>
+            <a:pPr algn="ctr"/>
+            <a:r>
+              <a:rPr lang="en-US" dirty="0" smtClean="0">
+                <a:solidFill>
+                  <a:schemeClr val="tx1"/>
+                </a:solidFill>
+              </a:rPr>
+              <a:t>Go back to start</a:t>
+            </a:r>
+            <a:endParaRPr lang="en-US" dirty="0">
+              <a:solidFill>
+                <a:schemeClr val="tx1"/>
+              </a:solidFill>
+            </a:endParaRPr>
+          </a:p>
+        </p:txBody>
+      </p:sp>
+      <p:sp>
+        <p:nvSpPr>
+          <p:cNvPr id="20" name="TextBox 19"/>
+          <p:cNvSpPr txBox="1"/>
+          <p:nvPr/>
+        </p:nvSpPr>
+        <p:spPr>
+          <a:xfrm>
+            <a:off x="7569681" y="1240544"/>
+            <a:ext cx="1344022" cy="369332"/>
+          </a:xfrm>
+          <a:prstGeom prst="rect">
+            <a:avLst/>
+          </a:prstGeom>
+          <a:noFill/>
+        </p:spPr>
+        <p:txBody>
+          <a:bodyPr wrap="none" rtlCol="0">
+            <a:spAutoFit/>
+          </a:bodyPr>
+          <a:lstStyle/>
+          <a:p>
+            <a:r>
+              <a:rPr lang="en-US" dirty="0" smtClean="0"/>
+              <a:t>Data Display</a:t>
+            </a:r>
+            <a:endParaRPr lang="en-US" dirty="0"/>
+          </a:p>
+        </p:txBody>
+      </p:sp>
+      <p:sp>
+        <p:nvSpPr>
+          <p:cNvPr id="21" name="Rectangle 20"/>
+          <p:cNvSpPr/>
+          <p:nvPr/>
+        </p:nvSpPr>
+        <p:spPr>
+          <a:xfrm>
+            <a:off x="268494" y="1365373"/>
+            <a:ext cx="1337095" cy="612476"/>
+          </a:xfrm>
+          <a:prstGeom prst="rect">
+            <a:avLst/>
+          </a:prstGeom>
+          <a:solidFill>
+            <a:schemeClr val="bg1"/>
+          </a:solidFill>
+          <a:ln w="76200">
+            <a:solidFill>
+              <a:srgbClr val="00B050"/>
+            </a:solidFill>
+          </a:ln>
+        </p:spPr>
+        <p:style>
+          <a:lnRef idx="2">
+            <a:schemeClr val="accent1">
+              <a:shade val="50000"/>
+            </a:schemeClr>
+          </a:lnRef>
+          <a:fillRef idx="1">
+            <a:schemeClr val="accent1"/>
+          </a:fillRef>
+          <a:effectRef idx="0">
+            <a:schemeClr val="accent1"/>
+          </a:effectRef>
+          <a:fontRef idx="minor">
+            <a:schemeClr val="lt1"/>
+          </a:fontRef>
+        </p:style>
+        <p:txBody>
+          <a:bodyPr rtlCol="0" anchor="ctr"/>
+          <a:lstStyle/>
+          <a:p>
+            <a:pPr algn="ctr"/>
+            <a:r>
+              <a:rPr lang="en-US" dirty="0" smtClean="0">
+                <a:solidFill>
+                  <a:schemeClr val="tx1"/>
+                </a:solidFill>
+              </a:rPr>
+              <a:t>Completed</a:t>
+            </a:r>
+            <a:endParaRPr lang="en-US" dirty="0">
+              <a:solidFill>
+                <a:schemeClr val="tx1"/>
+              </a:solidFill>
+            </a:endParaRPr>
+          </a:p>
+        </p:txBody>
+      </p:sp>
+      <p:sp>
+        <p:nvSpPr>
+          <p:cNvPr id="22" name="Rectangle 21"/>
+          <p:cNvSpPr/>
+          <p:nvPr/>
+        </p:nvSpPr>
+        <p:spPr>
+          <a:xfrm>
+            <a:off x="268494" y="2126408"/>
+            <a:ext cx="1337095" cy="612476"/>
+          </a:xfrm>
+          <a:prstGeom prst="rect">
+            <a:avLst/>
+          </a:prstGeom>
+          <a:solidFill>
+            <a:schemeClr val="bg1"/>
+          </a:solidFill>
+          <a:ln w="76200">
+            <a:solidFill>
+              <a:srgbClr val="FFC000"/>
+            </a:solidFill>
+          </a:ln>
+        </p:spPr>
+        <p:style>
+          <a:lnRef idx="2">
+            <a:schemeClr val="accent1">
+              <a:shade val="50000"/>
+            </a:schemeClr>
+          </a:lnRef>
+          <a:fillRef idx="1">
+            <a:schemeClr val="accent1"/>
+          </a:fillRef>
+          <a:effectRef idx="0">
+            <a:schemeClr val="accent1"/>
+          </a:effectRef>
+          <a:fontRef idx="minor">
+            <a:schemeClr val="lt1"/>
+          </a:fontRef>
+        </p:style>
+        <p:txBody>
+          <a:bodyPr rtlCol="0" anchor="ctr"/>
+          <a:lstStyle/>
+          <a:p>
+            <a:pPr algn="ctr"/>
+            <a:r>
+              <a:rPr lang="en-US" dirty="0" smtClean="0">
+                <a:solidFill>
+                  <a:schemeClr val="tx1"/>
+                </a:solidFill>
+              </a:rPr>
+              <a:t>In Progress</a:t>
+            </a:r>
+            <a:endParaRPr lang="en-US" dirty="0">
+              <a:solidFill>
+                <a:schemeClr val="tx1"/>
+              </a:solidFill>
+            </a:endParaRPr>
+          </a:p>
+        </p:txBody>
+      </p:sp>
+      <p:sp>
+        <p:nvSpPr>
+          <p:cNvPr id="23" name="Rectangle 22"/>
+          <p:cNvSpPr/>
+          <p:nvPr/>
+        </p:nvSpPr>
+        <p:spPr>
+          <a:xfrm>
+            <a:off x="268493" y="2945921"/>
+            <a:ext cx="1337095" cy="612476"/>
+          </a:xfrm>
+          <a:prstGeom prst="rect">
+            <a:avLst/>
+          </a:prstGeom>
+          <a:solidFill>
+            <a:schemeClr val="bg1"/>
+          </a:solidFill>
+          <a:ln w="76200">
+            <a:solidFill>
+              <a:srgbClr val="FF0000"/>
+            </a:solidFill>
+          </a:ln>
+        </p:spPr>
+        <p:style>
+          <a:lnRef idx="2">
+            <a:schemeClr val="accent1">
+              <a:shade val="50000"/>
+            </a:schemeClr>
+          </a:lnRef>
+          <a:fillRef idx="1">
+            <a:schemeClr val="accent1"/>
+          </a:fillRef>
+          <a:effectRef idx="0">
+            <a:schemeClr val="accent1"/>
+          </a:effectRef>
+          <a:fontRef idx="minor">
+            <a:schemeClr val="lt1"/>
+          </a:fontRef>
+        </p:style>
+        <p:txBody>
+          <a:bodyPr rtlCol="0" anchor="ctr"/>
+          <a:lstStyle/>
+          <a:p>
+            <a:pPr algn="ctr"/>
+            <a:r>
+              <a:rPr lang="en-US" dirty="0" smtClean="0">
+                <a:solidFill>
+                  <a:schemeClr val="tx1"/>
+                </a:solidFill>
+              </a:rPr>
+              <a:t>Not started</a:t>
+            </a:r>
+            <a:endParaRPr lang="en-US" dirty="0">
+              <a:solidFill>
+                <a:schemeClr val="tx1"/>
+              </a:solidFill>
+            </a:endParaRPr>
+          </a:p>
+        </p:txBody>
+      </p:sp>
+      <p:sp>
+        <p:nvSpPr>
+          <p:cNvPr id="24" name="Right Arrow 23"/>
+          <p:cNvSpPr/>
+          <p:nvPr/>
+        </p:nvSpPr>
+        <p:spPr>
+          <a:xfrm>
+            <a:off x="3987559" y="3424684"/>
+            <a:ext cx="530526" cy="340746"/>
+          </a:xfrm>
+          <a:prstGeom prst="rightArrow">
+            <a:avLst/>
+          </a:prstGeom>
+        </p:spPr>
+        <p:style>
+          <a:lnRef idx="2">
+            <a:schemeClr val="dk1">
+              <a:shade val="50000"/>
+            </a:schemeClr>
+          </a:lnRef>
+          <a:fillRef idx="1">
+            <a:schemeClr val="dk1"/>
+          </a:fillRef>
+          <a:effectRef idx="0">
+            <a:schemeClr val="dk1"/>
+          </a:effectRef>
+          <a:fontRef idx="minor">
+            <a:schemeClr val="lt1"/>
+          </a:fontRef>
+        </p:style>
+        <p:txBody>
+          <a:bodyPr rtlCol="0" anchor="ctr"/>
+          <a:lstStyle/>
+          <a:p>
+            <a:pPr algn="ctr"/>
+            <a:endParaRPr lang="en-US"/>
+          </a:p>
+        </p:txBody>
+      </p:sp>
+      <p:sp>
+        <p:nvSpPr>
+          <p:cNvPr id="25" name="Right Arrow 24"/>
+          <p:cNvSpPr/>
+          <p:nvPr/>
+        </p:nvSpPr>
+        <p:spPr>
+          <a:xfrm>
+            <a:off x="7043470" y="3424684"/>
+            <a:ext cx="530526" cy="340746"/>
+          </a:xfrm>
+          <a:prstGeom prst="rightArrow">
+            <a:avLst/>
+          </a:prstGeom>
+        </p:spPr>
+        <p:style>
+          <a:lnRef idx="2">
+            <a:schemeClr val="dk1">
+              <a:shade val="50000"/>
+            </a:schemeClr>
+          </a:lnRef>
+          <a:fillRef idx="1">
+            <a:schemeClr val="dk1"/>
+          </a:fillRef>
+          <a:effectRef idx="0">
+            <a:schemeClr val="dk1"/>
+          </a:effectRef>
+          <a:fontRef idx="minor">
+            <a:schemeClr val="lt1"/>
+          </a:fontRef>
+        </p:style>
+        <p:txBody>
+          <a:bodyPr rtlCol="0" anchor="ctr"/>
+          <a:lstStyle/>
+          <a:p>
+            <a:pPr algn="ctr"/>
+            <a:endParaRPr lang="en-US"/>
+          </a:p>
+        </p:txBody>
+      </p:sp>
+      <p:cxnSp>
+        <p:nvCxnSpPr>
+          <p:cNvPr id="30" name="Straight Arrow Connector 29"/>
+          <p:cNvCxnSpPr/>
+          <p:nvPr/>
+        </p:nvCxnSpPr>
+        <p:spPr>
+          <a:xfrm>
+            <a:off x="8761564" y="2967487"/>
+            <a:ext cx="0" cy="224282"/>
+          </a:xfrm>
+          <a:prstGeom prst="straightConnector1">
+            <a:avLst/>
+          </a:prstGeom>
+          <a:ln>
+            <a:solidFill>
+              <a:schemeClr val="tx1"/>
+            </a:solidFill>
+            <a:tailEnd type="triangle"/>
+          </a:ln>
+        </p:spPr>
+        <p:style>
+          <a:lnRef idx="1">
+            <a:schemeClr val="accent1"/>
+          </a:lnRef>
+          <a:fillRef idx="0">
+            <a:schemeClr val="accent1"/>
+          </a:fillRef>
+          <a:effectRef idx="0">
+            <a:schemeClr val="accent1"/>
+          </a:effectRef>
+          <a:fontRef idx="minor">
+            <a:schemeClr val="tx1"/>
+          </a:fontRef>
+        </p:style>
+      </p:cxnSp>
+      <p:cxnSp>
+        <p:nvCxnSpPr>
+          <p:cNvPr id="31" name="Straight Arrow Connector 30"/>
+          <p:cNvCxnSpPr/>
+          <p:nvPr/>
+        </p:nvCxnSpPr>
+        <p:spPr>
+          <a:xfrm>
+            <a:off x="8761564" y="4339087"/>
+            <a:ext cx="0" cy="224282"/>
+          </a:xfrm>
+          <a:prstGeom prst="straightConnector1">
+            <a:avLst/>
+          </a:prstGeom>
+          <a:ln>
+            <a:solidFill>
+              <a:schemeClr val="tx1"/>
+            </a:solidFill>
+            <a:tailEnd type="triangle"/>
+          </a:ln>
+        </p:spPr>
+        <p:style>
+          <a:lnRef idx="1">
+            <a:schemeClr val="accent1"/>
+          </a:lnRef>
+          <a:fillRef idx="0">
+            <a:schemeClr val="accent1"/>
+          </a:fillRef>
+          <a:effectRef idx="0">
+            <a:schemeClr val="accent1"/>
+          </a:effectRef>
+          <a:fontRef idx="minor">
+            <a:schemeClr val="tx1"/>
+          </a:fontRef>
+        </p:style>
+      </p:cxnSp>
+    </p:spTree>
+    <p:extLst>
+      <p:ext uri="{BB962C8B-B14F-4D97-AF65-F5344CB8AC3E}">
+        <p14:creationId xmlns:p14="http://schemas.microsoft.com/office/powerpoint/2010/main" val="1240246893"/>
+      </p:ext>
+    </p:extLst>
+  </p:cSld>
+  <p:clrMapOvr>
+    <a:masterClrMapping/>
+  </p:clrMapOvr>
+</p:sld>
+</file>
+
 <file path=ppt/theme/theme1.xml><?xml version="1.0" encoding="utf-8"?>
 <a:theme xmlns:a="http://schemas.openxmlformats.org/drawingml/2006/main" name="Office Theme">
   <a:themeElements>

--- a/AlexDubois/Updated Flowcharts.pptx
+++ b/AlexDubois/Updated Flowcharts.pptx
@@ -245,7 +245,7 @@
           <a:p>
             <a:fld id="{603601E7-32FD-41E4-B3D9-A9D98600A68F}" type="datetimeFigureOut">
               <a:rPr lang="en-US" smtClean="0"/>
-              <a:t>10/16/2016</a:t>
+              <a:t>10/30/2016</a:t>
             </a:fld>
             <a:endParaRPr lang="en-US"/>
           </a:p>
@@ -415,7 +415,7 @@
           <a:p>
             <a:fld id="{603601E7-32FD-41E4-B3D9-A9D98600A68F}" type="datetimeFigureOut">
               <a:rPr lang="en-US" smtClean="0"/>
-              <a:t>10/16/2016</a:t>
+              <a:t>10/30/2016</a:t>
             </a:fld>
             <a:endParaRPr lang="en-US"/>
           </a:p>
@@ -595,7 +595,7 @@
           <a:p>
             <a:fld id="{603601E7-32FD-41E4-B3D9-A9D98600A68F}" type="datetimeFigureOut">
               <a:rPr lang="en-US" smtClean="0"/>
-              <a:t>10/16/2016</a:t>
+              <a:t>10/30/2016</a:t>
             </a:fld>
             <a:endParaRPr lang="en-US"/>
           </a:p>
@@ -765,7 +765,7 @@
           <a:p>
             <a:fld id="{603601E7-32FD-41E4-B3D9-A9D98600A68F}" type="datetimeFigureOut">
               <a:rPr lang="en-US" smtClean="0"/>
-              <a:t>10/16/2016</a:t>
+              <a:t>10/30/2016</a:t>
             </a:fld>
             <a:endParaRPr lang="en-US"/>
           </a:p>
@@ -1011,7 +1011,7 @@
           <a:p>
             <a:fld id="{603601E7-32FD-41E4-B3D9-A9D98600A68F}" type="datetimeFigureOut">
               <a:rPr lang="en-US" smtClean="0"/>
-              <a:t>10/16/2016</a:t>
+              <a:t>10/30/2016</a:t>
             </a:fld>
             <a:endParaRPr lang="en-US"/>
           </a:p>
@@ -1243,7 +1243,7 @@
           <a:p>
             <a:fld id="{603601E7-32FD-41E4-B3D9-A9D98600A68F}" type="datetimeFigureOut">
               <a:rPr lang="en-US" smtClean="0"/>
-              <a:t>10/16/2016</a:t>
+              <a:t>10/30/2016</a:t>
             </a:fld>
             <a:endParaRPr lang="en-US"/>
           </a:p>
@@ -1610,7 +1610,7 @@
           <a:p>
             <a:fld id="{603601E7-32FD-41E4-B3D9-A9D98600A68F}" type="datetimeFigureOut">
               <a:rPr lang="en-US" smtClean="0"/>
-              <a:t>10/16/2016</a:t>
+              <a:t>10/30/2016</a:t>
             </a:fld>
             <a:endParaRPr lang="en-US"/>
           </a:p>
@@ -1728,7 +1728,7 @@
           <a:p>
             <a:fld id="{603601E7-32FD-41E4-B3D9-A9D98600A68F}" type="datetimeFigureOut">
               <a:rPr lang="en-US" smtClean="0"/>
-              <a:t>10/16/2016</a:t>
+              <a:t>10/30/2016</a:t>
             </a:fld>
             <a:endParaRPr lang="en-US"/>
           </a:p>
@@ -1823,7 +1823,7 @@
           <a:p>
             <a:fld id="{603601E7-32FD-41E4-B3D9-A9D98600A68F}" type="datetimeFigureOut">
               <a:rPr lang="en-US" smtClean="0"/>
-              <a:t>10/16/2016</a:t>
+              <a:t>10/30/2016</a:t>
             </a:fld>
             <a:endParaRPr lang="en-US"/>
           </a:p>
@@ -2100,7 +2100,7 @@
           <a:p>
             <a:fld id="{603601E7-32FD-41E4-B3D9-A9D98600A68F}" type="datetimeFigureOut">
               <a:rPr lang="en-US" smtClean="0"/>
-              <a:t>10/16/2016</a:t>
+              <a:t>10/30/2016</a:t>
             </a:fld>
             <a:endParaRPr lang="en-US"/>
           </a:p>
@@ -2353,7 +2353,7 @@
           <a:p>
             <a:fld id="{603601E7-32FD-41E4-B3D9-A9D98600A68F}" type="datetimeFigureOut">
               <a:rPr lang="en-US" smtClean="0"/>
-              <a:t>10/16/2016</a:t>
+              <a:t>10/30/2016</a:t>
             </a:fld>
             <a:endParaRPr lang="en-US"/>
           </a:p>
@@ -2566,7 +2566,7 @@
           <a:p>
             <a:fld id="{603601E7-32FD-41E4-B3D9-A9D98600A68F}" type="datetimeFigureOut">
               <a:rPr lang="en-US" smtClean="0"/>
-              <a:t>10/16/2016</a:t>
+              <a:t>10/30/2016</a:t>
             </a:fld>
             <a:endParaRPr lang="en-US"/>
           </a:p>
@@ -3161,7 +3161,7 @@
           </a:solidFill>
           <a:ln w="76200">
             <a:solidFill>
-              <a:srgbClr val="FFC000"/>
+              <a:srgbClr val="00B050"/>
             </a:solidFill>
           </a:ln>
         </p:spPr>
@@ -3360,7 +3360,7 @@
           </a:solidFill>
           <a:ln w="76200">
             <a:solidFill>
-              <a:srgbClr val="FFC000"/>
+              <a:srgbClr val="00B050"/>
             </a:solidFill>
           </a:ln>
         </p:spPr>
@@ -3660,7 +3660,7 @@
           </a:solidFill>
           <a:ln w="76200">
             <a:solidFill>
-              <a:srgbClr val="FF0000"/>
+              <a:srgbClr val="FFC000"/>
             </a:solidFill>
           </a:ln>
         </p:spPr>
@@ -3699,7 +3699,23 @@
                   <a:schemeClr val="tx1"/>
                 </a:solidFill>
               </a:rPr>
-              <a:t>alculate final severity across all trails</a:t>
+              <a:t>alculate final severity across </a:t>
+            </a:r>
+            <a:r>
+              <a:rPr lang="en-US" smtClean="0">
+                <a:solidFill>
+                  <a:schemeClr val="tx1"/>
+                </a:solidFill>
+              </a:rPr>
+              <a:t>all </a:t>
+            </a:r>
+            <a:r>
+              <a:rPr lang="en-US" smtClean="0">
+                <a:solidFill>
+                  <a:schemeClr val="tx1"/>
+                </a:solidFill>
+              </a:rPr>
+              <a:t>trials</a:t>
             </a:r>
             <a:endParaRPr lang="en-US" dirty="0">
               <a:solidFill>

--- a/AlexDubois/Updated Flowcharts.pptx
+++ b/AlexDubois/Updated Flowcharts.pptx
@@ -245,7 +245,7 @@
           <a:p>
             <a:fld id="{603601E7-32FD-41E4-B3D9-A9D98600A68F}" type="datetimeFigureOut">
               <a:rPr lang="en-US" smtClean="0"/>
-              <a:t>10/30/2016</a:t>
+              <a:t>11/13/2016</a:t>
             </a:fld>
             <a:endParaRPr lang="en-US"/>
           </a:p>
@@ -415,7 +415,7 @@
           <a:p>
             <a:fld id="{603601E7-32FD-41E4-B3D9-A9D98600A68F}" type="datetimeFigureOut">
               <a:rPr lang="en-US" smtClean="0"/>
-              <a:t>10/30/2016</a:t>
+              <a:t>11/13/2016</a:t>
             </a:fld>
             <a:endParaRPr lang="en-US"/>
           </a:p>
@@ -595,7 +595,7 @@
           <a:p>
             <a:fld id="{603601E7-32FD-41E4-B3D9-A9D98600A68F}" type="datetimeFigureOut">
               <a:rPr lang="en-US" smtClean="0"/>
-              <a:t>10/30/2016</a:t>
+              <a:t>11/13/2016</a:t>
             </a:fld>
             <a:endParaRPr lang="en-US"/>
           </a:p>
@@ -765,7 +765,7 @@
           <a:p>
             <a:fld id="{603601E7-32FD-41E4-B3D9-A9D98600A68F}" type="datetimeFigureOut">
               <a:rPr lang="en-US" smtClean="0"/>
-              <a:t>10/30/2016</a:t>
+              <a:t>11/13/2016</a:t>
             </a:fld>
             <a:endParaRPr lang="en-US"/>
           </a:p>
@@ -1011,7 +1011,7 @@
           <a:p>
             <a:fld id="{603601E7-32FD-41E4-B3D9-A9D98600A68F}" type="datetimeFigureOut">
               <a:rPr lang="en-US" smtClean="0"/>
-              <a:t>10/30/2016</a:t>
+              <a:t>11/13/2016</a:t>
             </a:fld>
             <a:endParaRPr lang="en-US"/>
           </a:p>
@@ -1243,7 +1243,7 @@
           <a:p>
             <a:fld id="{603601E7-32FD-41E4-B3D9-A9D98600A68F}" type="datetimeFigureOut">
               <a:rPr lang="en-US" smtClean="0"/>
-              <a:t>10/30/2016</a:t>
+              <a:t>11/13/2016</a:t>
             </a:fld>
             <a:endParaRPr lang="en-US"/>
           </a:p>
@@ -1610,7 +1610,7 @@
           <a:p>
             <a:fld id="{603601E7-32FD-41E4-B3D9-A9D98600A68F}" type="datetimeFigureOut">
               <a:rPr lang="en-US" smtClean="0"/>
-              <a:t>10/30/2016</a:t>
+              <a:t>11/13/2016</a:t>
             </a:fld>
             <a:endParaRPr lang="en-US"/>
           </a:p>
@@ -1728,7 +1728,7 @@
           <a:p>
             <a:fld id="{603601E7-32FD-41E4-B3D9-A9D98600A68F}" type="datetimeFigureOut">
               <a:rPr lang="en-US" smtClean="0"/>
-              <a:t>10/30/2016</a:t>
+              <a:t>11/13/2016</a:t>
             </a:fld>
             <a:endParaRPr lang="en-US"/>
           </a:p>
@@ -1823,7 +1823,7 @@
           <a:p>
             <a:fld id="{603601E7-32FD-41E4-B3D9-A9D98600A68F}" type="datetimeFigureOut">
               <a:rPr lang="en-US" smtClean="0"/>
-              <a:t>10/30/2016</a:t>
+              <a:t>11/13/2016</a:t>
             </a:fld>
             <a:endParaRPr lang="en-US"/>
           </a:p>
@@ -2100,7 +2100,7 @@
           <a:p>
             <a:fld id="{603601E7-32FD-41E4-B3D9-A9D98600A68F}" type="datetimeFigureOut">
               <a:rPr lang="en-US" smtClean="0"/>
-              <a:t>10/30/2016</a:t>
+              <a:t>11/13/2016</a:t>
             </a:fld>
             <a:endParaRPr lang="en-US"/>
           </a:p>
@@ -2353,7 +2353,7 @@
           <a:p>
             <a:fld id="{603601E7-32FD-41E4-B3D9-A9D98600A68F}" type="datetimeFigureOut">
               <a:rPr lang="en-US" smtClean="0"/>
-              <a:t>10/30/2016</a:t>
+              <a:t>11/13/2016</a:t>
             </a:fld>
             <a:endParaRPr lang="en-US"/>
           </a:p>
@@ -2566,7 +2566,7 @@
           <a:p>
             <a:fld id="{603601E7-32FD-41E4-B3D9-A9D98600A68F}" type="datetimeFigureOut">
               <a:rPr lang="en-US" smtClean="0"/>
-              <a:t>10/30/2016</a:t>
+              <a:t>11/13/2016</a:t>
             </a:fld>
             <a:endParaRPr lang="en-US"/>
           </a:p>
@@ -3660,7 +3660,7 @@
           </a:solidFill>
           <a:ln w="76200">
             <a:solidFill>
-              <a:srgbClr val="FFC000"/>
+              <a:srgbClr val="00B050"/>
             </a:solidFill>
           </a:ln>
         </p:spPr>
@@ -3707,15 +3707,7 @@
                   <a:schemeClr val="tx1"/>
                 </a:solidFill>
               </a:rPr>
-              <a:t>all </a:t>
-            </a:r>
-            <a:r>
-              <a:rPr lang="en-US" smtClean="0">
-                <a:solidFill>
-                  <a:schemeClr val="tx1"/>
-                </a:solidFill>
-              </a:rPr>
-              <a:t>trials</a:t>
+              <a:t>all trials</a:t>
             </a:r>
             <a:endParaRPr lang="en-US" dirty="0">
               <a:solidFill>
